--- a/10-Collaboration-on-GitHub/ppt/Collaboration-on-GitHub.pptx
+++ b/10-Collaboration-on-GitHub/ppt/Collaboration-on-GitHub.pptx
@@ -5,10 +5,10 @@
     <p:sldMasterId id="2147483648" r:id="rId1"/>
   </p:sldMasterIdLst>
   <p:notesMasterIdLst>
-    <p:notesMasterId r:id="rId16"/>
+    <p:notesMasterId r:id="rId17"/>
   </p:notesMasterIdLst>
   <p:handoutMasterIdLst>
-    <p:handoutMasterId r:id="rId17"/>
+    <p:handoutMasterId r:id="rId18"/>
   </p:handoutMasterIdLst>
   <p:sldIdLst>
     <p:sldId id="295" r:id="rId2"/>
@@ -24,7 +24,8 @@
     <p:sldId id="317" r:id="rId12"/>
     <p:sldId id="318" r:id="rId13"/>
     <p:sldId id="319" r:id="rId14"/>
-    <p:sldId id="296" r:id="rId15"/>
+    <p:sldId id="320" r:id="rId15"/>
+    <p:sldId id="296" r:id="rId16"/>
   </p:sldIdLst>
   <p:sldSz cx="12192000" cy="6858000"/>
   <p:notesSz cx="6858000" cy="9144000"/>
@@ -3468,7 +3469,7 @@
           <a:p>
             <a:fld id="{412A36AD-C140-47B5-A0AA-2808AF1C1C9D}" type="datetimeFigureOut">
               <a:rPr lang="en-AU" smtClean="0"/>
-              <a:t>8/8/2023</a:t>
+              <a:t>9/8/2023</a:t>
             </a:fld>
             <a:endParaRPr lang="en-AU"/>
           </a:p>
@@ -3633,7 +3634,7 @@
           <a:p>
             <a:fld id="{2763829E-EB69-4A98-9D54-8D6822520B27}" type="datetimeFigureOut">
               <a:rPr lang="en-AU" smtClean="0"/>
-              <a:t>8/8/2023</a:t>
+              <a:t>9/8/2023</a:t>
             </a:fld>
             <a:endParaRPr lang="en-AU"/>
           </a:p>
@@ -19115,6 +19116,330 @@
       </p:grpSpPr>
       <p:sp>
         <p:nvSpPr>
+          <p:cNvPr id="2" name="Content Placeholder 1">
+            <a:extLst>
+              <a:ext uri="{FF2B5EF4-FFF2-40B4-BE49-F238E27FC236}">
+                <a16:creationId xmlns:a16="http://schemas.microsoft.com/office/drawing/2014/main" id="{47583770-7F98-148D-8535-CD570F0CACFE}"/>
+              </a:ext>
+            </a:extLst>
+          </p:cNvPr>
+          <p:cNvSpPr>
+            <a:spLocks noGrp="1"/>
+          </p:cNvSpPr>
+          <p:nvPr>
+            <p:ph sz="half" idx="1"/>
+          </p:nvPr>
+        </p:nvSpPr>
+        <p:spPr/>
+        <p:txBody>
+          <a:bodyPr>
+            <a:normAutofit fontScale="92500" lnSpcReduction="10000"/>
+          </a:bodyPr>
+          <a:lstStyle/>
+          <a:p>
+            <a:pPr marL="0" indent="0">
+              <a:buNone/>
+            </a:pPr>
+            <a:r>
+              <a:rPr lang="en-US" sz="2400" dirty="0">
+                <a:latin typeface="National 2 Medium" panose="020B0504030502020203" pitchFamily="34" charset="77"/>
+              </a:rPr>
+              <a:t>Review phase:</a:t>
+            </a:r>
+          </a:p>
+          <a:p>
+            <a:pPr marL="342900" indent="-342900">
+              <a:buAutoNum type="arabicPeriod"/>
+            </a:pPr>
+            <a:r>
+              <a:rPr lang="en-US" sz="1800" dirty="0"/>
+              <a:t>Share a link to your GitHub repo with me by EOD (</a:t>
+            </a:r>
+            <a:r>
+              <a:rPr lang="en-US" sz="1800" dirty="0">
+                <a:hlinkClick r:id="rId2"/>
+              </a:rPr>
+              <a:t>simon.stone@dartmouth.edu</a:t>
+            </a:r>
+            <a:r>
+              <a:rPr lang="en-US" sz="1800" dirty="0"/>
+              <a:t>)</a:t>
+            </a:r>
+          </a:p>
+          <a:p>
+            <a:pPr marL="342900" indent="-342900">
+              <a:buAutoNum type="arabicPeriod"/>
+            </a:pPr>
+            <a:r>
+              <a:rPr lang="en-US" sz="1800" dirty="0"/>
+              <a:t>I will share the list of links with the class via email tomorrow (August 10)</a:t>
+            </a:r>
+          </a:p>
+          <a:p>
+            <a:pPr marL="342900" indent="-342900">
+              <a:buAutoNum type="arabicPeriod"/>
+            </a:pPr>
+            <a:r>
+              <a:rPr lang="en-US" sz="1800" dirty="0"/>
+              <a:t>Each of you should go over the other repositories and reproduce the respective analyses</a:t>
+            </a:r>
+          </a:p>
+          <a:p>
+            <a:pPr marL="342900" indent="-342900">
+              <a:buAutoNum type="arabicPeriod"/>
+            </a:pPr>
+            <a:r>
+              <a:rPr lang="en-US" sz="1800" dirty="0"/>
+              <a:t>Report any bugs or suggested changes as issues in the repo’s page on GitHub by </a:t>
+            </a:r>
+            <a:r>
+              <a:rPr lang="en-US" sz="1800" b="1" dirty="0"/>
+              <a:t>August 16</a:t>
+            </a:r>
+          </a:p>
+          <a:p>
+            <a:pPr marL="342900" indent="-342900">
+              <a:buAutoNum type="arabicPeriod"/>
+            </a:pPr>
+            <a:r>
+              <a:rPr lang="en-US" sz="1800" dirty="0"/>
+              <a:t>Your grade will be partially based on participation in this phase</a:t>
+            </a:r>
+          </a:p>
+        </p:txBody>
+      </p:sp>
+      <p:sp>
+        <p:nvSpPr>
+          <p:cNvPr id="3" name="Content Placeholder 2">
+            <a:extLst>
+              <a:ext uri="{FF2B5EF4-FFF2-40B4-BE49-F238E27FC236}">
+                <a16:creationId xmlns:a16="http://schemas.microsoft.com/office/drawing/2014/main" id="{E2517D72-2F95-BC50-9659-1354E1AE7A33}"/>
+              </a:ext>
+            </a:extLst>
+          </p:cNvPr>
+          <p:cNvSpPr>
+            <a:spLocks noGrp="1"/>
+          </p:cNvSpPr>
+          <p:nvPr>
+            <p:ph sz="half" idx="2"/>
+          </p:nvPr>
+        </p:nvSpPr>
+        <p:spPr/>
+        <p:txBody>
+          <a:bodyPr>
+            <a:normAutofit fontScale="92500" lnSpcReduction="10000"/>
+          </a:bodyPr>
+          <a:lstStyle/>
+          <a:p>
+            <a:pPr marL="0" indent="0">
+              <a:buNone/>
+            </a:pPr>
+            <a:r>
+              <a:rPr lang="en-US" sz="2400" dirty="0">
+                <a:latin typeface="National 2 Medium" panose="020B0504030502020203" pitchFamily="34" charset="77"/>
+              </a:rPr>
+              <a:t>Revision phase:</a:t>
+            </a:r>
+          </a:p>
+          <a:p>
+            <a:pPr marL="457200" indent="-457200">
+              <a:buFont typeface="+mj-lt"/>
+              <a:buAutoNum type="arabicPeriod"/>
+            </a:pPr>
+            <a:r>
+              <a:rPr lang="en-US" sz="1800" dirty="0"/>
+              <a:t>Engage with the issues flagged in your respective project repository</a:t>
+            </a:r>
+          </a:p>
+          <a:p>
+            <a:pPr marL="457200" indent="-457200">
+              <a:buFont typeface="+mj-lt"/>
+              <a:buAutoNum type="arabicPeriod"/>
+            </a:pPr>
+            <a:r>
+              <a:rPr lang="en-US" sz="1800" dirty="0"/>
+              <a:t>Push changes addressing all fixable issues</a:t>
+            </a:r>
+          </a:p>
+          <a:p>
+            <a:pPr marL="457200" indent="-457200">
+              <a:buFont typeface="+mj-lt"/>
+              <a:buAutoNum type="arabicPeriod"/>
+            </a:pPr>
+            <a:r>
+              <a:rPr lang="en-US" sz="1800" dirty="0"/>
+              <a:t>Address all issues you do not fix by commenting on them, explaining why you do not fix them, and close them </a:t>
+            </a:r>
+          </a:p>
+          <a:p>
+            <a:pPr marL="457200" indent="-457200">
+              <a:buFont typeface="+mj-lt"/>
+              <a:buAutoNum type="arabicPeriod"/>
+            </a:pPr>
+            <a:r>
+              <a:rPr lang="en-US" sz="1800" dirty="0"/>
+              <a:t>Revision phase ends </a:t>
+            </a:r>
+            <a:r>
+              <a:rPr lang="en-US" sz="1800" b="1" dirty="0"/>
+              <a:t>August 23 </a:t>
+            </a:r>
+            <a:r>
+              <a:rPr lang="en-US" sz="1800" dirty="0"/>
+              <a:t>(same day as presentations)</a:t>
+            </a:r>
+          </a:p>
+          <a:p>
+            <a:pPr marL="457200" indent="-457200">
+              <a:buFont typeface="+mj-lt"/>
+              <a:buAutoNum type="arabicPeriod"/>
+            </a:pPr>
+            <a:r>
+              <a:rPr lang="en-US" sz="1800" dirty="0"/>
+              <a:t>Your grade will be partially based on your effort to address the flagged issues in these phase</a:t>
+            </a:r>
+          </a:p>
+          <a:p>
+            <a:pPr marL="457200" indent="-457200">
+              <a:buFont typeface="+mj-lt"/>
+              <a:buAutoNum type="arabicPeriod"/>
+            </a:pPr>
+            <a:endParaRPr lang="en-US" dirty="0"/>
+          </a:p>
+        </p:txBody>
+      </p:sp>
+      <p:sp>
+        <p:nvSpPr>
+          <p:cNvPr id="4" name="Title 3">
+            <a:extLst>
+              <a:ext uri="{FF2B5EF4-FFF2-40B4-BE49-F238E27FC236}">
+                <a16:creationId xmlns:a16="http://schemas.microsoft.com/office/drawing/2014/main" id="{7BAAF22A-5C23-C703-B7DE-2F1FD4EC2731}"/>
+              </a:ext>
+            </a:extLst>
+          </p:cNvPr>
+          <p:cNvSpPr>
+            <a:spLocks noGrp="1"/>
+          </p:cNvSpPr>
+          <p:nvPr>
+            <p:ph type="title"/>
+          </p:nvPr>
+        </p:nvSpPr>
+        <p:spPr/>
+        <p:txBody>
+          <a:bodyPr/>
+          <a:lstStyle/>
+          <a:p>
+            <a:r>
+              <a:rPr lang="en-US" dirty="0"/>
+              <a:t>Assignment: Peer-review</a:t>
+            </a:r>
+          </a:p>
+        </p:txBody>
+      </p:sp>
+      <p:sp>
+        <p:nvSpPr>
+          <p:cNvPr id="5" name="Footer Placeholder 4">
+            <a:extLst>
+              <a:ext uri="{FF2B5EF4-FFF2-40B4-BE49-F238E27FC236}">
+                <a16:creationId xmlns:a16="http://schemas.microsoft.com/office/drawing/2014/main" id="{F59A8A97-6A4F-8CC3-86E8-767A34166F81}"/>
+              </a:ext>
+            </a:extLst>
+          </p:cNvPr>
+          <p:cNvSpPr>
+            <a:spLocks noGrp="1"/>
+          </p:cNvSpPr>
+          <p:nvPr>
+            <p:ph type="ftr" sz="quarter" idx="10"/>
+          </p:nvPr>
+        </p:nvSpPr>
+        <p:spPr/>
+        <p:txBody>
+          <a:bodyPr/>
+          <a:lstStyle/>
+          <a:p>
+            <a:pPr algn="ctr"/>
+            <a:r>
+              <a:rPr lang="en-AU"/>
+              <a:t>Collaboration on GitHub</a:t>
+            </a:r>
+            <a:endParaRPr lang="en-AU" dirty="0"/>
+          </a:p>
+        </p:txBody>
+      </p:sp>
+      <p:sp>
+        <p:nvSpPr>
+          <p:cNvPr id="6" name="Slide Number Placeholder 5">
+            <a:extLst>
+              <a:ext uri="{FF2B5EF4-FFF2-40B4-BE49-F238E27FC236}">
+                <a16:creationId xmlns:a16="http://schemas.microsoft.com/office/drawing/2014/main" id="{05910CC1-6F8F-B3A3-3174-A14D4B2058FC}"/>
+              </a:ext>
+            </a:extLst>
+          </p:cNvPr>
+          <p:cNvSpPr>
+            <a:spLocks noGrp="1"/>
+          </p:cNvSpPr>
+          <p:nvPr>
+            <p:ph type="sldNum" sz="quarter" idx="11"/>
+          </p:nvPr>
+        </p:nvSpPr>
+        <p:spPr/>
+        <p:txBody>
+          <a:bodyPr/>
+          <a:lstStyle/>
+          <a:p>
+            <a:fld id="{E917DE0E-AFB1-41FD-BC35-27DB61CA125F}" type="slidenum">
+              <a:rPr lang="en-AU" smtClean="0"/>
+              <a:pPr/>
+              <a:t>14</a:t>
+            </a:fld>
+            <a:endParaRPr lang="en-AU" dirty="0"/>
+          </a:p>
+        </p:txBody>
+      </p:sp>
+    </p:spTree>
+    <p:extLst>
+      <p:ext uri="{BB962C8B-B14F-4D97-AF65-F5344CB8AC3E}">
+        <p14:creationId xmlns:p14="http://schemas.microsoft.com/office/powerpoint/2010/main" val="424783168"/>
+      </p:ext>
+    </p:extLst>
+  </p:cSld>
+  <p:clrMapOvr>
+    <a:masterClrMapping/>
+  </p:clrMapOvr>
+  <mc:AlternateContent xmlns:mc="http://schemas.openxmlformats.org/markup-compatibility/2006" xmlns:p14="http://schemas.microsoft.com/office/powerpoint/2010/main">
+    <mc:Choice Requires="p14">
+      <p:transition spd="med" p14:dur="700">
+        <p:fade/>
+      </p:transition>
+    </mc:Choice>
+    <mc:Fallback xmlns="">
+      <p:transition spd="med">
+        <p:fade/>
+      </p:transition>
+    </mc:Fallback>
+  </mc:AlternateContent>
+</p:sld>
+</file>
+
+<file path=ppt/slides/slide15.xml><?xml version="1.0" encoding="utf-8"?>
+<p:sld xmlns:a="http://schemas.openxmlformats.org/drawingml/2006/main" xmlns:r="http://schemas.openxmlformats.org/officeDocument/2006/relationships" xmlns:p="http://schemas.openxmlformats.org/presentationml/2006/main">
+  <p:cSld>
+    <p:spTree>
+      <p:nvGrpSpPr>
+        <p:cNvPr id="1" name=""/>
+        <p:cNvGrpSpPr/>
+        <p:nvPr/>
+      </p:nvGrpSpPr>
+      <p:grpSpPr>
+        <a:xfrm>
+          <a:off x="0" y="0"/>
+          <a:ext cx="0" cy="0"/>
+          <a:chOff x="0" y="0"/>
+          <a:chExt cx="0" cy="0"/>
+        </a:xfrm>
+      </p:grpSpPr>
+      <p:sp>
+        <p:nvSpPr>
           <p:cNvPr id="10" name="Title 9">
             <a:extLst>
               <a:ext uri="{FF2B5EF4-FFF2-40B4-BE49-F238E27FC236}">
@@ -19201,7 +19526,7 @@
             <a:fld id="{E917DE0E-AFB1-41FD-BC35-27DB61CA125F}" type="slidenum">
               <a:rPr lang="en-AU" smtClean="0"/>
               <a:pPr/>
-              <a:t>14</a:t>
+              <a:t>15</a:t>
             </a:fld>
             <a:endParaRPr lang="en-AU" dirty="0"/>
           </a:p>
